--- a/Mini Project.pptx
+++ b/Mini Project.pptx
@@ -8,6 +8,7 @@
     <p:sldId id="260" r:id="rId3"/>
     <p:sldId id="258" r:id="rId4"/>
     <p:sldId id="259" r:id="rId5"/>
+    <p:sldId id="263" r:id="rId6"/>
   </p:sldIdLst>
   <p:sldSz cx="12192000" cy="6858000"/>
   <p:notesSz cx="6858000" cy="9144000"/>
@@ -3110,6 +3111,199 @@
 </p:sld>
 </file>
 
+<file path=ppt/slides/slide4.xml><?xml version="1.0" encoding="utf-8"?>
+<p:sld xmlns:a="http://schemas.openxmlformats.org/drawingml/2006/main" xmlns:r="http://schemas.openxmlformats.org/officeDocument/2006/relationships" xmlns:p="http://schemas.openxmlformats.org/presentationml/2006/main">
+  <p:cSld>
+    <p:spTree>
+      <p:nvGrpSpPr>
+        <p:cNvPr id="1" name=""/>
+        <p:cNvGrpSpPr/>
+        <p:nvPr/>
+      </p:nvGrpSpPr>
+      <p:grpSpPr/>
+      <p:sp>
+        <p:nvSpPr>
+          <p:cNvPr id="4097" name="Title 1"/>
+          <p:cNvSpPr>
+            <a:spLocks noGrp="1"/>
+          </p:cNvSpPr>
+          <p:nvPr>
+            <p:ph type="title"/>
+          </p:nvPr>
+        </p:nvSpPr>
+        <p:spPr/>
+        <p:txBody>
+          <a:bodyPr anchor="ctr"/>
+          <a:p>
+            <a:r>
+              <a:rPr lang="en-US" altLang="zh-CN" sz="2000">
+                <a:latin typeface="Georgia" panose="02040502050405020303" charset="0"/>
+              </a:rPr>
+              <a:t>GATED MULTIMODAL UNITS FOR INFORMATION FUSION</a:t>
+            </a:r>
+            <a:endParaRPr lang="en-US" altLang="zh-CN" sz="2000">
+              <a:latin typeface="Georgia" panose="02040502050405020303" charset="0"/>
+            </a:endParaRPr>
+          </a:p>
+        </p:txBody>
+      </p:sp>
+      <p:pic>
+        <p:nvPicPr>
+          <p:cNvPr id="4098" name="Content Placeholder 3"/>
+          <p:cNvPicPr>
+            <a:picLocks noGrp="1" noChangeAspect="1"/>
+          </p:cNvPicPr>
+          <p:nvPr>
+            <p:ph sz="half" idx="2"/>
+          </p:nvPr>
+        </p:nvPicPr>
+        <p:blipFill>
+          <a:blip r:embed="rId1"/>
+          <a:stretch>
+            <a:fillRect/>
+          </a:stretch>
+        </p:blipFill>
+        <p:spPr>
+          <a:xfrm>
+            <a:off x="0" y="1076325"/>
+            <a:ext cx="4778375" cy="5041900"/>
+          </a:xfrm>
+        </p:spPr>
+      </p:pic>
+      <p:pic>
+        <p:nvPicPr>
+          <p:cNvPr id="4099" name="Content Placeholder 6"/>
+          <p:cNvPicPr>
+            <a:picLocks noGrp="1" noChangeAspect="1"/>
+          </p:cNvPicPr>
+          <p:nvPr>
+            <p:ph sz="half" idx="1"/>
+          </p:nvPr>
+        </p:nvPicPr>
+        <p:blipFill>
+          <a:blip r:embed="rId2"/>
+          <a:stretch>
+            <a:fillRect/>
+          </a:stretch>
+        </p:blipFill>
+        <p:spPr>
+          <a:xfrm>
+            <a:off x="4778375" y="1076325"/>
+            <a:ext cx="4138613" cy="3282950"/>
+          </a:xfrm>
+        </p:spPr>
+      </p:pic>
+      <p:pic>
+        <p:nvPicPr>
+          <p:cNvPr id="4100" name="Picture 7"/>
+          <p:cNvPicPr>
+            <a:picLocks noChangeAspect="1"/>
+          </p:cNvPicPr>
+          <p:nvPr/>
+        </p:nvPicPr>
+        <p:blipFill>
+          <a:blip r:embed="rId3"/>
+          <a:stretch>
+            <a:fillRect/>
+          </a:stretch>
+        </p:blipFill>
+        <p:spPr>
+          <a:xfrm>
+            <a:off x="5256213" y="4359275"/>
+            <a:ext cx="3430587" cy="2070100"/>
+          </a:xfrm>
+          <a:prstGeom prst="rect">
+            <a:avLst/>
+          </a:prstGeom>
+          <a:noFill/>
+          <a:ln w="9525">
+            <a:noFill/>
+          </a:ln>
+        </p:spPr>
+      </p:pic>
+      <p:sp>
+        <p:nvSpPr>
+          <p:cNvPr id="2" name="Text Box 1"/>
+          <p:cNvSpPr txBox="1"/>
+          <p:nvPr/>
+        </p:nvSpPr>
+        <p:spPr>
+          <a:xfrm>
+            <a:off x="575310" y="6191885"/>
+            <a:ext cx="3021965" cy="275590"/>
+          </a:xfrm>
+          <a:prstGeom prst="rect">
+            <a:avLst/>
+          </a:prstGeom>
+          <a:noFill/>
+        </p:spPr>
+        <p:txBody>
+          <a:bodyPr wrap="square" rtlCol="0" anchor="t">
+            <a:spAutoFit/>
+          </a:bodyPr>
+          <a:p>
+            <a:r>
+              <a:rPr lang="en-US" sz="1200">
+                <a:ln w="12700">
+                  <a:solidFill>
+                    <a:schemeClr val="accent1"/>
+                  </a:solidFill>
+                  <a:prstDash val="solid"/>
+                </a:ln>
+                <a:gradFill>
+                  <a:gsLst>
+                    <a:gs pos="0">
+                      <a:srgbClr val="007BD3"/>
+                    </a:gs>
+                    <a:gs pos="100000">
+                      <a:srgbClr val="034373"/>
+                    </a:gs>
+                  </a:gsLst>
+                  <a:lin scaled="0"/>
+                </a:gradFill>
+                <a:effectLst>
+                  <a:outerShdw dist="38100" dir="2640000" algn="bl" rotWithShape="0">
+                    <a:schemeClr val="accent1"/>
+                  </a:outerShdw>
+                </a:effectLst>
+              </a:rPr>
+              <a:t>https://arxiv.org/pdf/1702.01992.pdf</a:t>
+            </a:r>
+            <a:endParaRPr lang="en-US" sz="1200">
+              <a:ln w="12700">
+                <a:solidFill>
+                  <a:schemeClr val="accent1"/>
+                </a:solidFill>
+                <a:prstDash val="solid"/>
+              </a:ln>
+              <a:gradFill>
+                <a:gsLst>
+                  <a:gs pos="0">
+                    <a:srgbClr val="007BD3"/>
+                  </a:gs>
+                  <a:gs pos="100000">
+                    <a:srgbClr val="034373"/>
+                  </a:gs>
+                </a:gsLst>
+                <a:lin scaled="0"/>
+              </a:gradFill>
+              <a:effectLst>
+                <a:outerShdw dist="38100" dir="2640000" algn="bl" rotWithShape="0">
+                  <a:schemeClr val="accent1"/>
+                </a:outerShdw>
+              </a:effectLst>
+            </a:endParaRPr>
+          </a:p>
+        </p:txBody>
+      </p:sp>
+    </p:spTree>
+  </p:cSld>
+  <p:clrMapOvr>
+    <a:masterClrMapping/>
+  </p:clrMapOvr>
+</p:sld>
+</file>
+
 <file path=ppt/theme/theme1.xml><?xml version="1.0" encoding="utf-8"?>
 <a:theme xmlns:a="http://schemas.openxmlformats.org/drawingml/2006/main" name="Office Theme">
   <a:themeElements>
